--- a/Project2/SuperTechnical.pptx
+++ b/Project2/SuperTechnical.pptx
@@ -214,7 +214,7 @@
           <a:p>
             <a:fld id="{2BC186CC-A620-1249-8743-AADA554DCE35}" type="datetimeFigureOut">
               <a:rPr lang="en-US" smtClean="0"/>
-              <a:t>1/31/18</a:t>
+              <a:t>2/1/18</a:t>
             </a:fld>
             <a:endParaRPr lang="en-US"/>
           </a:p>
@@ -850,7 +850,7 @@
             <a:fld id="{B61BEF0D-F0BB-DE4B-95CE-6DB70DBA9567}" type="datetimeFigureOut">
               <a:rPr lang="en-US" smtClean="0"/>
               <a:pPr/>
-              <a:t>1/31/18</a:t>
+              <a:t>2/1/18</a:t>
             </a:fld>
             <a:endParaRPr lang="en-US" dirty="0"/>
           </a:p>
@@ -1094,7 +1094,7 @@
             <a:fld id="{B61BEF0D-F0BB-DE4B-95CE-6DB70DBA9567}" type="datetimeFigureOut">
               <a:rPr lang="en-US" smtClean="0"/>
               <a:pPr/>
-              <a:t>1/31/18</a:t>
+              <a:t>2/1/18</a:t>
             </a:fld>
             <a:endParaRPr lang="en-US" dirty="0"/>
           </a:p>
@@ -1477,7 +1477,7 @@
             <a:fld id="{B61BEF0D-F0BB-DE4B-95CE-6DB70DBA9567}" type="datetimeFigureOut">
               <a:rPr lang="en-US" smtClean="0"/>
               <a:pPr/>
-              <a:t>1/31/18</a:t>
+              <a:t>2/1/18</a:t>
             </a:fld>
             <a:endParaRPr lang="en-US" dirty="0"/>
           </a:p>
@@ -1703,7 +1703,7 @@
             <a:fld id="{B61BEF0D-F0BB-DE4B-95CE-6DB70DBA9567}" type="datetimeFigureOut">
               <a:rPr lang="en-US" smtClean="0"/>
               <a:pPr/>
-              <a:t>1/31/18</a:t>
+              <a:t>2/1/18</a:t>
             </a:fld>
             <a:endParaRPr lang="en-US" dirty="0"/>
           </a:p>
@@ -2191,7 +2191,7 @@
             <a:fld id="{B61BEF0D-F0BB-DE4B-95CE-6DB70DBA9567}" type="datetimeFigureOut">
               <a:rPr lang="en-US" smtClean="0"/>
               <a:pPr/>
-              <a:t>1/31/18</a:t>
+              <a:t>2/1/18</a:t>
             </a:fld>
             <a:endParaRPr lang="en-US" dirty="0"/>
           </a:p>
@@ -2498,7 +2498,7 @@
             <a:fld id="{B61BEF0D-F0BB-DE4B-95CE-6DB70DBA9567}" type="datetimeFigureOut">
               <a:rPr lang="en-US" smtClean="0"/>
               <a:pPr/>
-              <a:t>1/31/18</a:t>
+              <a:t>2/1/18</a:t>
             </a:fld>
             <a:endParaRPr lang="en-US" dirty="0"/>
           </a:p>
@@ -2886,7 +2886,7 @@
             <a:fld id="{B61BEF0D-F0BB-DE4B-95CE-6DB70DBA9567}" type="datetimeFigureOut">
               <a:rPr lang="en-US" smtClean="0"/>
               <a:pPr/>
-              <a:t>1/31/18</a:t>
+              <a:t>2/1/18</a:t>
             </a:fld>
             <a:endParaRPr lang="en-US" dirty="0"/>
           </a:p>
@@ -3001,7 +3001,7 @@
             <a:fld id="{B61BEF0D-F0BB-DE4B-95CE-6DB70DBA9567}" type="datetimeFigureOut">
               <a:rPr lang="en-US" smtClean="0"/>
               <a:pPr/>
-              <a:t>1/31/18</a:t>
+              <a:t>2/1/18</a:t>
             </a:fld>
             <a:endParaRPr lang="en-US" dirty="0"/>
           </a:p>
@@ -3093,7 +3093,7 @@
             <a:fld id="{B61BEF0D-F0BB-DE4B-95CE-6DB70DBA9567}" type="datetimeFigureOut">
               <a:rPr lang="en-US" smtClean="0"/>
               <a:pPr/>
-              <a:t>1/31/18</a:t>
+              <a:t>2/1/18</a:t>
             </a:fld>
             <a:endParaRPr lang="en-US" dirty="0"/>
           </a:p>
@@ -3395,7 +3395,7 @@
             <a:fld id="{B61BEF0D-F0BB-DE4B-95CE-6DB70DBA9567}" type="datetimeFigureOut">
               <a:rPr lang="en-US" smtClean="0"/>
               <a:pPr/>
-              <a:t>1/31/18</a:t>
+              <a:t>2/1/18</a:t>
             </a:fld>
             <a:endParaRPr lang="en-US" dirty="0"/>
           </a:p>
@@ -3662,7 +3662,7 @@
             <a:fld id="{B61BEF0D-F0BB-DE4B-95CE-6DB70DBA9567}" type="datetimeFigureOut">
               <a:rPr lang="en-US" smtClean="0"/>
               <a:pPr/>
-              <a:t>1/31/18</a:t>
+              <a:t>2/1/18</a:t>
             </a:fld>
             <a:endParaRPr lang="en-US" dirty="0"/>
           </a:p>
@@ -4077,7 +4077,7 @@
             <a:fld id="{B61BEF0D-F0BB-DE4B-95CE-6DB70DBA9567}" type="datetimeFigureOut">
               <a:rPr lang="en-US" smtClean="0"/>
               <a:pPr/>
-              <a:t>1/31/18</a:t>
+              <a:t>2/1/18</a:t>
             </a:fld>
             <a:endParaRPr lang="en-US" dirty="0"/>
           </a:p>
@@ -7216,17 +7216,8 @@
               <a:rPr lang="en-US" sz="2000" dirty="0" smtClean="0">
                 <a:latin typeface="+mj-lt"/>
               </a:rPr>
-              <a:t>Set a Regex to get rid of the </a:t>
-            </a:r>
-            <a:r>
-              <a:rPr lang="en-US" sz="2000" dirty="0" smtClean="0">
-                <a:latin typeface="+mj-lt"/>
-              </a:rPr>
-              <a:t>reference links</a:t>
-            </a:r>
-            <a:endParaRPr lang="en-US" sz="2000" dirty="0" smtClean="0">
-              <a:latin typeface="+mj-lt"/>
-            </a:endParaRPr>
+              <a:t>Set a Regex to get rid of the reference links</a:t>
+            </a:r>
           </a:p>
           <a:p>
             <a:pPr marL="285750" indent="-285750">
